--- a/Presentation1.pptx
+++ b/Presentation1.pptx
@@ -133,6 +133,11 @@
       </a:defRPr>
     </a:lvl9pPr>
   </p:defaultTextStyle>
+  <p:extLst>
+    <p:ext uri="{EFAFB233-063F-42B5-8137-9DF3F51BA10A}">
+      <p15:sldGuideLst xmlns:p15="http://schemas.microsoft.com/office/powerpoint/2012/main"/>
+    </p:ext>
+  </p:extLst>
 </p:presentation>
 </file>
 
@@ -4436,10 +4441,10 @@
       </p:grpSpPr>
       <p:pic>
         <p:nvPicPr>
-          <p:cNvPr id="4" name="Picture 3">
-            <a:extLst>
-              <a:ext uri="{FF2B5EF4-FFF2-40B4-BE49-F238E27FC236}">
-                <a16:creationId xmlns:a16="http://schemas.microsoft.com/office/drawing/2014/main" id="{CADEFA4F-7E56-4739-8622-C2F36F591723}"/>
+          <p:cNvPr id="5" name="Picture 4">
+            <a:extLst>
+              <a:ext uri="{FF2B5EF4-FFF2-40B4-BE49-F238E27FC236}">
+                <a16:creationId xmlns:a16="http://schemas.microsoft.com/office/drawing/2014/main" id="{B298A481-01B8-48EC-9448-BBFC521BEB1B}"/>
               </a:ext>
             </a:extLst>
           </p:cNvPr>
@@ -4456,8 +4461,8 @@
         </p:blipFill>
         <p:spPr>
           <a:xfrm>
-            <a:off x="1333500" y="1990725"/>
-            <a:ext cx="9525000" cy="2876550"/>
+            <a:off x="1452562" y="2090737"/>
+            <a:ext cx="9286875" cy="2676525"/>
           </a:xfrm>
           <a:prstGeom prst="rect">
             <a:avLst/>
@@ -4496,10 +4501,10 @@
       </p:grpSpPr>
       <p:pic>
         <p:nvPicPr>
-          <p:cNvPr id="4" name="Picture 3">
-            <a:extLst>
-              <a:ext uri="{FF2B5EF4-FFF2-40B4-BE49-F238E27FC236}">
-                <a16:creationId xmlns:a16="http://schemas.microsoft.com/office/drawing/2014/main" id="{E17143F8-E048-4FCA-8EAD-87E6B1D4EC67}"/>
+          <p:cNvPr id="3" name="Picture 2">
+            <a:extLst>
+              <a:ext uri="{FF2B5EF4-FFF2-40B4-BE49-F238E27FC236}">
+                <a16:creationId xmlns:a16="http://schemas.microsoft.com/office/drawing/2014/main" id="{59ED8C7B-6E68-4F86-8563-FDDAE87CBA14}"/>
               </a:ext>
             </a:extLst>
           </p:cNvPr>
@@ -4516,8 +4521,8 @@
         </p:blipFill>
         <p:spPr>
           <a:xfrm>
-            <a:off x="1309687" y="1924050"/>
-            <a:ext cx="9572625" cy="3009900"/>
+            <a:off x="1390650" y="2038350"/>
+            <a:ext cx="9410700" cy="2781300"/>
           </a:xfrm>
           <a:prstGeom prst="rect">
             <a:avLst/>
@@ -4556,10 +4561,10 @@
       </p:grpSpPr>
       <p:pic>
         <p:nvPicPr>
-          <p:cNvPr id="4" name="Picture 3">
-            <a:extLst>
-              <a:ext uri="{FF2B5EF4-FFF2-40B4-BE49-F238E27FC236}">
-                <a16:creationId xmlns:a16="http://schemas.microsoft.com/office/drawing/2014/main" id="{CA78CE0F-9718-400C-B9D6-7360A61EC726}"/>
+          <p:cNvPr id="2" name="Picture 1">
+            <a:extLst>
+              <a:ext uri="{FF2B5EF4-FFF2-40B4-BE49-F238E27FC236}">
+                <a16:creationId xmlns:a16="http://schemas.microsoft.com/office/drawing/2014/main" id="{6809A69B-41FF-4BC9-86BD-2A380E0749E7}"/>
               </a:ext>
             </a:extLst>
           </p:cNvPr>
@@ -4576,8 +4581,8 @@
         </p:blipFill>
         <p:spPr>
           <a:xfrm>
-            <a:off x="1290637" y="1919287"/>
-            <a:ext cx="9610725" cy="3019425"/>
+            <a:off x="1381125" y="2081212"/>
+            <a:ext cx="9429750" cy="2695575"/>
           </a:xfrm>
           <a:prstGeom prst="rect">
             <a:avLst/>
@@ -4644,6 +4649,36 @@
           </a:prstGeom>
         </p:spPr>
       </p:pic>
+      <p:pic>
+        <p:nvPicPr>
+          <p:cNvPr id="2" name="Picture 1">
+            <a:extLst>
+              <a:ext uri="{FF2B5EF4-FFF2-40B4-BE49-F238E27FC236}">
+                <a16:creationId xmlns:a16="http://schemas.microsoft.com/office/drawing/2014/main" id="{040D57F1-339B-4855-BC01-0DF0893C647D}"/>
+              </a:ext>
+            </a:extLst>
+          </p:cNvPr>
+          <p:cNvPicPr>
+            <a:picLocks noChangeAspect="1"/>
+          </p:cNvPicPr>
+          <p:nvPr/>
+        </p:nvPicPr>
+        <p:blipFill>
+          <a:blip r:embed="rId3"/>
+          <a:stretch>
+            <a:fillRect/>
+          </a:stretch>
+        </p:blipFill>
+        <p:spPr>
+          <a:xfrm>
+            <a:off x="1404937" y="2038350"/>
+            <a:ext cx="9382125" cy="2781300"/>
+          </a:xfrm>
+          <a:prstGeom prst="rect">
+            <a:avLst/>
+          </a:prstGeom>
+        </p:spPr>
+      </p:pic>
     </p:spTree>
     <p:extLst>
       <p:ext uri="{BB962C8B-B14F-4D97-AF65-F5344CB8AC3E}">
@@ -4758,6 +4793,36 @@
           <a:xfrm>
             <a:off x="1371600" y="2014537"/>
             <a:ext cx="9448800" cy="2828925"/>
+          </a:xfrm>
+          <a:prstGeom prst="rect">
+            <a:avLst/>
+          </a:prstGeom>
+        </p:spPr>
+      </p:pic>
+      <p:pic>
+        <p:nvPicPr>
+          <p:cNvPr id="2" name="Picture 1">
+            <a:extLst>
+              <a:ext uri="{FF2B5EF4-FFF2-40B4-BE49-F238E27FC236}">
+                <a16:creationId xmlns:a16="http://schemas.microsoft.com/office/drawing/2014/main" id="{7DC24F6A-7028-4CCC-8756-F1477A5214A4}"/>
+              </a:ext>
+            </a:extLst>
+          </p:cNvPr>
+          <p:cNvPicPr>
+            <a:picLocks noChangeAspect="1"/>
+          </p:cNvPicPr>
+          <p:nvPr/>
+        </p:nvPicPr>
+        <p:blipFill>
+          <a:blip r:embed="rId3"/>
+          <a:stretch>
+            <a:fillRect/>
+          </a:stretch>
+        </p:blipFill>
+        <p:spPr>
+          <a:xfrm>
+            <a:off x="1462087" y="2076450"/>
+            <a:ext cx="9267825" cy="2705100"/>
           </a:xfrm>
           <a:prstGeom prst="rect">
             <a:avLst/>
